--- a/experiments/MTurk Animations/Practice Animations/practice story 1.pptx
+++ b/experiments/MTurk Animations/Practice Animations/practice story 1.pptx
@@ -269,7 +269,7 @@
           <a:p>
             <a:fld id="{1DC1D682-E601-4304-B350-49CC34BDA017}" type="datetimeFigureOut">
               <a:rPr lang="en-US" smtClean="0"/>
-              <a:t>7/26/2017</a:t>
+              <a:t>10/30/2017</a:t>
             </a:fld>
             <a:endParaRPr lang="en-US"/>
           </a:p>
@@ -339,13 +339,13 @@
   <p:clrMapOvr>
     <a:masterClrMapping/>
   </p:clrMapOvr>
-  <mc:AlternateContent xmlns:mc="http://schemas.openxmlformats.org/markup-compatibility/2006">
-    <mc:Choice xmlns:p14="http://schemas.microsoft.com/office/powerpoint/2010/main" Requires="p14">
+  <mc:AlternateContent xmlns:mc="http://schemas.openxmlformats.org/markup-compatibility/2006" xmlns:p14="http://schemas.microsoft.com/office/powerpoint/2010/main">
+    <mc:Choice Requires="p14">
       <p:transition spd="med" p14:dur="700" advClick="0" advTm="6000">
         <p:fade/>
       </p:transition>
     </mc:Choice>
-    <mc:Fallback>
+    <mc:Fallback xmlns="">
       <p:transition spd="med" advClick="0" advTm="6000">
         <p:fade/>
       </p:transition>
@@ -479,7 +479,7 @@
           <a:p>
             <a:fld id="{1DC1D682-E601-4304-B350-49CC34BDA017}" type="datetimeFigureOut">
               <a:rPr lang="en-US" smtClean="0"/>
-              <a:t>7/26/2017</a:t>
+              <a:t>10/30/2017</a:t>
             </a:fld>
             <a:endParaRPr lang="en-US"/>
           </a:p>
@@ -549,13 +549,13 @@
   <p:clrMapOvr>
     <a:masterClrMapping/>
   </p:clrMapOvr>
-  <mc:AlternateContent xmlns:mc="http://schemas.openxmlformats.org/markup-compatibility/2006">
-    <mc:Choice xmlns:p14="http://schemas.microsoft.com/office/powerpoint/2010/main" Requires="p14">
+  <mc:AlternateContent xmlns:mc="http://schemas.openxmlformats.org/markup-compatibility/2006" xmlns:p14="http://schemas.microsoft.com/office/powerpoint/2010/main">
+    <mc:Choice Requires="p14">
       <p:transition spd="med" p14:dur="700" advClick="0" advTm="6000">
         <p:fade/>
       </p:transition>
     </mc:Choice>
-    <mc:Fallback>
+    <mc:Fallback xmlns="">
       <p:transition spd="med" advClick="0" advTm="6000">
         <p:fade/>
       </p:transition>
@@ -699,7 +699,7 @@
           <a:p>
             <a:fld id="{1DC1D682-E601-4304-B350-49CC34BDA017}" type="datetimeFigureOut">
               <a:rPr lang="en-US" smtClean="0"/>
-              <a:t>7/26/2017</a:t>
+              <a:t>10/30/2017</a:t>
             </a:fld>
             <a:endParaRPr lang="en-US"/>
           </a:p>
@@ -769,13 +769,13 @@
   <p:clrMapOvr>
     <a:masterClrMapping/>
   </p:clrMapOvr>
-  <mc:AlternateContent xmlns:mc="http://schemas.openxmlformats.org/markup-compatibility/2006">
-    <mc:Choice xmlns:p14="http://schemas.microsoft.com/office/powerpoint/2010/main" Requires="p14">
+  <mc:AlternateContent xmlns:mc="http://schemas.openxmlformats.org/markup-compatibility/2006" xmlns:p14="http://schemas.microsoft.com/office/powerpoint/2010/main">
+    <mc:Choice Requires="p14">
       <p:transition spd="med" p14:dur="700" advClick="0" advTm="6000">
         <p:fade/>
       </p:transition>
     </mc:Choice>
-    <mc:Fallback>
+    <mc:Fallback xmlns="">
       <p:transition spd="med" advClick="0" advTm="6000">
         <p:fade/>
       </p:transition>
@@ -909,7 +909,7 @@
           <a:p>
             <a:fld id="{1DC1D682-E601-4304-B350-49CC34BDA017}" type="datetimeFigureOut">
               <a:rPr lang="en-US" smtClean="0"/>
-              <a:t>7/26/2017</a:t>
+              <a:t>10/30/2017</a:t>
             </a:fld>
             <a:endParaRPr lang="en-US"/>
           </a:p>
@@ -979,13 +979,13 @@
   <p:clrMapOvr>
     <a:masterClrMapping/>
   </p:clrMapOvr>
-  <mc:AlternateContent xmlns:mc="http://schemas.openxmlformats.org/markup-compatibility/2006">
-    <mc:Choice xmlns:p14="http://schemas.microsoft.com/office/powerpoint/2010/main" Requires="p14">
+  <mc:AlternateContent xmlns:mc="http://schemas.openxmlformats.org/markup-compatibility/2006" xmlns:p14="http://schemas.microsoft.com/office/powerpoint/2010/main">
+    <mc:Choice Requires="p14">
       <p:transition spd="med" p14:dur="700" advClick="0" advTm="6000">
         <p:fade/>
       </p:transition>
     </mc:Choice>
-    <mc:Fallback>
+    <mc:Fallback xmlns="">
       <p:transition spd="med" advClick="0" advTm="6000">
         <p:fade/>
       </p:transition>
@@ -1196,7 +1196,7 @@
           <a:p>
             <a:fld id="{1DC1D682-E601-4304-B350-49CC34BDA017}" type="datetimeFigureOut">
               <a:rPr lang="en-US" smtClean="0"/>
-              <a:t>7/26/2017</a:t>
+              <a:t>10/30/2017</a:t>
             </a:fld>
             <a:endParaRPr lang="en-US"/>
           </a:p>
@@ -1266,13 +1266,13 @@
   <p:clrMapOvr>
     <a:masterClrMapping/>
   </p:clrMapOvr>
-  <mc:AlternateContent xmlns:mc="http://schemas.openxmlformats.org/markup-compatibility/2006">
-    <mc:Choice xmlns:p14="http://schemas.microsoft.com/office/powerpoint/2010/main" Requires="p14">
+  <mc:AlternateContent xmlns:mc="http://schemas.openxmlformats.org/markup-compatibility/2006" xmlns:p14="http://schemas.microsoft.com/office/powerpoint/2010/main">
+    <mc:Choice Requires="p14">
       <p:transition spd="med" p14:dur="700" advClick="0" advTm="6000">
         <p:fade/>
       </p:transition>
     </mc:Choice>
-    <mc:Fallback>
+    <mc:Fallback xmlns="">
       <p:transition spd="med" advClick="0" advTm="6000">
         <p:fade/>
       </p:transition>
@@ -1473,7 +1473,7 @@
           <a:p>
             <a:fld id="{1DC1D682-E601-4304-B350-49CC34BDA017}" type="datetimeFigureOut">
               <a:rPr lang="en-US" smtClean="0"/>
-              <a:t>7/26/2017</a:t>
+              <a:t>10/30/2017</a:t>
             </a:fld>
             <a:endParaRPr lang="en-US"/>
           </a:p>
@@ -1543,13 +1543,13 @@
   <p:clrMapOvr>
     <a:masterClrMapping/>
   </p:clrMapOvr>
-  <mc:AlternateContent xmlns:mc="http://schemas.openxmlformats.org/markup-compatibility/2006">
-    <mc:Choice xmlns:p14="http://schemas.microsoft.com/office/powerpoint/2010/main" Requires="p14">
+  <mc:AlternateContent xmlns:mc="http://schemas.openxmlformats.org/markup-compatibility/2006" xmlns:p14="http://schemas.microsoft.com/office/powerpoint/2010/main">
+    <mc:Choice Requires="p14">
       <p:transition spd="med" p14:dur="700" advClick="0" advTm="6000">
         <p:fade/>
       </p:transition>
     </mc:Choice>
-    <mc:Fallback>
+    <mc:Fallback xmlns="">
       <p:transition spd="med" advClick="0" advTm="6000">
         <p:fade/>
       </p:transition>
@@ -1897,7 +1897,7 @@
           <a:p>
             <a:fld id="{1DC1D682-E601-4304-B350-49CC34BDA017}" type="datetimeFigureOut">
               <a:rPr lang="en-US" smtClean="0"/>
-              <a:t>7/26/2017</a:t>
+              <a:t>10/30/2017</a:t>
             </a:fld>
             <a:endParaRPr lang="en-US"/>
           </a:p>
@@ -1967,13 +1967,13 @@
   <p:clrMapOvr>
     <a:masterClrMapping/>
   </p:clrMapOvr>
-  <mc:AlternateContent xmlns:mc="http://schemas.openxmlformats.org/markup-compatibility/2006">
-    <mc:Choice xmlns:p14="http://schemas.microsoft.com/office/powerpoint/2010/main" Requires="p14">
+  <mc:AlternateContent xmlns:mc="http://schemas.openxmlformats.org/markup-compatibility/2006" xmlns:p14="http://schemas.microsoft.com/office/powerpoint/2010/main">
+    <mc:Choice Requires="p14">
       <p:transition spd="med" p14:dur="700" advClick="0" advTm="6000">
         <p:fade/>
       </p:transition>
     </mc:Choice>
-    <mc:Fallback>
+    <mc:Fallback xmlns="">
       <p:transition spd="med" advClick="0" advTm="6000">
         <p:fade/>
       </p:transition>
@@ -2050,7 +2050,7 @@
           <a:p>
             <a:fld id="{1DC1D682-E601-4304-B350-49CC34BDA017}" type="datetimeFigureOut">
               <a:rPr lang="en-US" smtClean="0"/>
-              <a:t>7/26/2017</a:t>
+              <a:t>10/30/2017</a:t>
             </a:fld>
             <a:endParaRPr lang="en-US"/>
           </a:p>
@@ -2120,13 +2120,13 @@
   <p:clrMapOvr>
     <a:masterClrMapping/>
   </p:clrMapOvr>
-  <mc:AlternateContent xmlns:mc="http://schemas.openxmlformats.org/markup-compatibility/2006">
-    <mc:Choice xmlns:p14="http://schemas.microsoft.com/office/powerpoint/2010/main" Requires="p14">
+  <mc:AlternateContent xmlns:mc="http://schemas.openxmlformats.org/markup-compatibility/2006" xmlns:p14="http://schemas.microsoft.com/office/powerpoint/2010/main">
+    <mc:Choice Requires="p14">
       <p:transition spd="med" p14:dur="700" advClick="0" advTm="6000">
         <p:fade/>
       </p:transition>
     </mc:Choice>
-    <mc:Fallback>
+    <mc:Fallback xmlns="">
       <p:transition spd="med" advClick="0" advTm="6000">
         <p:fade/>
       </p:transition>
@@ -2175,7 +2175,7 @@
           <a:p>
             <a:fld id="{1DC1D682-E601-4304-B350-49CC34BDA017}" type="datetimeFigureOut">
               <a:rPr lang="en-US" smtClean="0"/>
-              <a:t>7/26/2017</a:t>
+              <a:t>10/30/2017</a:t>
             </a:fld>
             <a:endParaRPr lang="en-US"/>
           </a:p>
@@ -2245,13 +2245,13 @@
   <p:clrMapOvr>
     <a:masterClrMapping/>
   </p:clrMapOvr>
-  <mc:AlternateContent xmlns:mc="http://schemas.openxmlformats.org/markup-compatibility/2006">
-    <mc:Choice xmlns:p14="http://schemas.microsoft.com/office/powerpoint/2010/main" Requires="p14">
+  <mc:AlternateContent xmlns:mc="http://schemas.openxmlformats.org/markup-compatibility/2006" xmlns:p14="http://schemas.microsoft.com/office/powerpoint/2010/main">
+    <mc:Choice Requires="p14">
       <p:transition spd="med" p14:dur="700" advClick="0" advTm="6000">
         <p:fade/>
       </p:transition>
     </mc:Choice>
-    <mc:Fallback>
+    <mc:Fallback xmlns="">
       <p:transition spd="med" advClick="0" advTm="6000">
         <p:fade/>
       </p:transition>
@@ -2498,7 +2498,7 @@
           <a:p>
             <a:fld id="{1DC1D682-E601-4304-B350-49CC34BDA017}" type="datetimeFigureOut">
               <a:rPr lang="en-US" smtClean="0"/>
-              <a:t>7/26/2017</a:t>
+              <a:t>10/30/2017</a:t>
             </a:fld>
             <a:endParaRPr lang="en-US"/>
           </a:p>
@@ -2568,13 +2568,13 @@
   <p:clrMapOvr>
     <a:masterClrMapping/>
   </p:clrMapOvr>
-  <mc:AlternateContent xmlns:mc="http://schemas.openxmlformats.org/markup-compatibility/2006">
-    <mc:Choice xmlns:p14="http://schemas.microsoft.com/office/powerpoint/2010/main" Requires="p14">
+  <mc:AlternateContent xmlns:mc="http://schemas.openxmlformats.org/markup-compatibility/2006" xmlns:p14="http://schemas.microsoft.com/office/powerpoint/2010/main">
+    <mc:Choice Requires="p14">
       <p:transition spd="med" p14:dur="700" advClick="0" advTm="6000">
         <p:fade/>
       </p:transition>
     </mc:Choice>
-    <mc:Fallback>
+    <mc:Fallback xmlns="">
       <p:transition spd="med" advClick="0" advTm="6000">
         <p:fade/>
       </p:transition>
@@ -2798,7 +2798,7 @@
           <a:p>
             <a:fld id="{1DC1D682-E601-4304-B350-49CC34BDA017}" type="datetimeFigureOut">
               <a:rPr lang="en-US" smtClean="0"/>
-              <a:t>7/26/2017</a:t>
+              <a:t>10/30/2017</a:t>
             </a:fld>
             <a:endParaRPr lang="en-US"/>
           </a:p>
@@ -2868,13 +2868,13 @@
   <p:clrMapOvr>
     <a:masterClrMapping/>
   </p:clrMapOvr>
-  <mc:AlternateContent xmlns:mc="http://schemas.openxmlformats.org/markup-compatibility/2006">
-    <mc:Choice xmlns:p14="http://schemas.microsoft.com/office/powerpoint/2010/main" Requires="p14">
+  <mc:AlternateContent xmlns:mc="http://schemas.openxmlformats.org/markup-compatibility/2006" xmlns:p14="http://schemas.microsoft.com/office/powerpoint/2010/main">
+    <mc:Choice Requires="p14">
       <p:transition spd="med" p14:dur="700" advClick="0" advTm="6000">
         <p:fade/>
       </p:transition>
     </mc:Choice>
-    <mc:Fallback>
+    <mc:Fallback xmlns="">
       <p:transition spd="med" advClick="0" advTm="6000">
         <p:fade/>
       </p:transition>
@@ -3051,7 +3051,7 @@
           <a:p>
             <a:fld id="{1DC1D682-E601-4304-B350-49CC34BDA017}" type="datetimeFigureOut">
               <a:rPr lang="en-US" smtClean="0"/>
-              <a:t>7/26/2017</a:t>
+              <a:t>10/30/2017</a:t>
             </a:fld>
             <a:endParaRPr lang="en-US"/>
           </a:p>
@@ -3168,13 +3168,13 @@
     <p:sldLayoutId id="2147483658" r:id="rId10"/>
     <p:sldLayoutId id="2147483659" r:id="rId11"/>
   </p:sldLayoutIdLst>
-  <mc:AlternateContent xmlns:mc="http://schemas.openxmlformats.org/markup-compatibility/2006">
-    <mc:Choice xmlns:p14="http://schemas.microsoft.com/office/powerpoint/2010/main" Requires="p14">
+  <mc:AlternateContent xmlns:mc="http://schemas.openxmlformats.org/markup-compatibility/2006" xmlns:p14="http://schemas.microsoft.com/office/powerpoint/2010/main">
+    <mc:Choice Requires="p14">
       <p:transition spd="med" p14:dur="700" advClick="0" advTm="6000">
         <p:fade/>
       </p:transition>
     </mc:Choice>
-    <mc:Fallback>
+    <mc:Fallback xmlns="">
       <p:transition spd="med" advClick="0" advTm="6000">
         <p:fade/>
       </p:transition>
@@ -4172,13 +4172,13 @@
   <p:clrMapOvr>
     <a:masterClrMapping/>
   </p:clrMapOvr>
-  <mc:AlternateContent xmlns:mc="http://schemas.openxmlformats.org/markup-compatibility/2006">
-    <mc:Choice xmlns:p14="http://schemas.microsoft.com/office/powerpoint/2010/main" Requires="p14">
+  <mc:AlternateContent xmlns:mc="http://schemas.openxmlformats.org/markup-compatibility/2006" xmlns:p14="http://schemas.microsoft.com/office/powerpoint/2010/main">
+    <mc:Choice Requires="p14">
       <p:transition spd="med" p14:dur="700" advClick="0" advTm="6000">
         <p:fade/>
       </p:transition>
     </mc:Choice>
-    <mc:Fallback>
+    <mc:Fallback xmlns="">
       <p:transition spd="med" advClick="0" advTm="6000">
         <p:fade/>
       </p:transition>
@@ -5007,13 +5007,13 @@
   <p:clrMapOvr>
     <a:masterClrMapping/>
   </p:clrMapOvr>
-  <mc:AlternateContent xmlns:mc="http://schemas.openxmlformats.org/markup-compatibility/2006">
-    <mc:Choice xmlns:p14="http://schemas.microsoft.com/office/powerpoint/2010/main" Requires="p14">
+  <mc:AlternateContent xmlns:mc="http://schemas.openxmlformats.org/markup-compatibility/2006" xmlns:p14="http://schemas.microsoft.com/office/powerpoint/2010/main">
+    <mc:Choice Requires="p14">
       <p:transition spd="med" p14:dur="700" advClick="0" advTm="6000">
         <p:fade/>
       </p:transition>
     </mc:Choice>
-    <mc:Fallback>
+    <mc:Fallback xmlns="">
       <p:transition spd="med" advClick="0" advTm="6000">
         <p:fade/>
       </p:transition>
@@ -6278,13 +6278,13 @@
   <p:clrMapOvr>
     <a:masterClrMapping/>
   </p:clrMapOvr>
-  <mc:AlternateContent xmlns:mc="http://schemas.openxmlformats.org/markup-compatibility/2006">
-    <mc:Choice xmlns:p14="http://schemas.microsoft.com/office/powerpoint/2010/main" Requires="p14">
+  <mc:AlternateContent xmlns:mc="http://schemas.openxmlformats.org/markup-compatibility/2006" xmlns:p14="http://schemas.microsoft.com/office/powerpoint/2010/main">
+    <mc:Choice Requires="p14">
       <p:transition spd="med" p14:dur="700" advClick="0" advTm="50">
         <p:fade/>
       </p:transition>
     </mc:Choice>
-    <mc:Fallback>
+    <mc:Fallback xmlns="">
       <p:transition spd="med" advClick="0" advTm="50">
         <p:fade/>
       </p:transition>
@@ -7403,13 +7403,13 @@
   <p:clrMapOvr>
     <a:masterClrMapping/>
   </p:clrMapOvr>
-  <mc:AlternateContent xmlns:mc="http://schemas.openxmlformats.org/markup-compatibility/2006">
-    <mc:Choice xmlns:p14="http://schemas.microsoft.com/office/powerpoint/2010/main" Requires="p14">
+  <mc:AlternateContent xmlns:mc="http://schemas.openxmlformats.org/markup-compatibility/2006" xmlns:p14="http://schemas.microsoft.com/office/powerpoint/2010/main">
+    <mc:Choice Requires="p14">
       <p:transition spd="med" p14:dur="700" advClick="0" advTm="6000">
         <p:fade/>
       </p:transition>
     </mc:Choice>
-    <mc:Fallback>
+    <mc:Fallback xmlns="">
       <p:transition spd="med" advClick="0" advTm="6000">
         <p:fade/>
       </p:transition>
@@ -8456,13 +8456,13 @@
   <p:clrMapOvr>
     <a:masterClrMapping/>
   </p:clrMapOvr>
-  <mc:AlternateContent xmlns:mc="http://schemas.openxmlformats.org/markup-compatibility/2006">
-    <mc:Choice xmlns:p14="http://schemas.microsoft.com/office/powerpoint/2010/main" Requires="p14">
+  <mc:AlternateContent xmlns:mc="http://schemas.openxmlformats.org/markup-compatibility/2006" xmlns:p14="http://schemas.microsoft.com/office/powerpoint/2010/main">
+    <mc:Choice Requires="p14">
       <p:transition spd="med" p14:dur="700" advClick="0" advTm="50">
         <p:fade/>
       </p:transition>
     </mc:Choice>
-    <mc:Fallback>
+    <mc:Fallback xmlns="">
       <p:transition spd="med" advClick="0" advTm="50">
         <p:fade/>
       </p:transition>
@@ -9284,42 +9284,6 @@
       </p:pic>
       <p:pic>
         <p:nvPicPr>
-          <p:cNvPr id="5" name="Picture 4" descr="A close up of a car&#10;&#10;Description generated with very high confidence">
-            <a:extLst>
-              <a:ext uri="{FF2B5EF4-FFF2-40B4-BE49-F238E27FC236}">
-                <a16:creationId xmlns:a16="http://schemas.microsoft.com/office/drawing/2014/main" id="{246DC722-859B-4927-8713-2B52291176BF}"/>
-              </a:ext>
-            </a:extLst>
-          </p:cNvPr>
-          <p:cNvPicPr>
-            <a:picLocks noChangeAspect="1"/>
-          </p:cNvPicPr>
-          <p:nvPr/>
-        </p:nvPicPr>
-        <p:blipFill>
-          <a:blip r:embed="rId8">
-            <a:extLst>
-              <a:ext uri="{28A0092B-C50C-407E-A947-70E740481C1C}">
-                <a14:useLocalDpi xmlns:a14="http://schemas.microsoft.com/office/drawing/2010/main" val="0"/>
-              </a:ext>
-            </a:extLst>
-          </a:blip>
-          <a:stretch>
-            <a:fillRect/>
-          </a:stretch>
-        </p:blipFill>
-        <p:spPr>
-          <a:xfrm>
-            <a:off x="4405661" y="2743200"/>
-            <a:ext cx="3027814" cy="1828800"/>
-          </a:xfrm>
-          <a:prstGeom prst="rect">
-            <a:avLst/>
-          </a:prstGeom>
-        </p:spPr>
-      </p:pic>
-      <p:pic>
-        <p:nvPicPr>
           <p:cNvPr id="2" name="Recording (4)">
             <a:hlinkClick r:id="" action="ppaction://media"/>
             <a:extLst>
@@ -9341,7 +9305,7 @@
           </p:nvPr>
         </p:nvPicPr>
         <p:blipFill>
-          <a:blip r:embed="rId9"/>
+          <a:blip r:embed="rId8"/>
           <a:stretch>
             <a:fillRect/>
           </a:stretch>
@@ -9366,13 +9330,13 @@
   <p:clrMapOvr>
     <a:masterClrMapping/>
   </p:clrMapOvr>
-  <mc:AlternateContent xmlns:mc="http://schemas.openxmlformats.org/markup-compatibility/2006">
-    <mc:Choice xmlns:p14="http://schemas.microsoft.com/office/powerpoint/2010/main" Requires="p14">
+  <mc:AlternateContent xmlns:mc="http://schemas.openxmlformats.org/markup-compatibility/2006" xmlns:p14="http://schemas.microsoft.com/office/powerpoint/2010/main">
+    <mc:Choice Requires="p14">
       <p:transition spd="med" p14:dur="700" advClick="0" advTm="6000">
         <p:fade/>
       </p:transition>
     </mc:Choice>
-    <mc:Fallback>
+    <mc:Fallback xmlns="">
       <p:transition spd="med" advClick="0" advTm="6000">
         <p:fade/>
       </p:transition>
@@ -9710,79 +9674,6 @@
                                   </p:childTnLst>
                                 </p:cTn>
                               </p:par>
-                              <p:par>
-                                <p:cTn id="23" presetID="2" presetClass="entr" presetSubtype="3" fill="hold" nodeType="withEffect">
-                                  <p:stCondLst>
-                                    <p:cond delay="2000"/>
-                                  </p:stCondLst>
-                                  <p:childTnLst>
-                                    <p:set>
-                                      <p:cBhvr>
-                                        <p:cTn id="24" dur="1" fill="hold">
-                                          <p:stCondLst>
-                                            <p:cond delay="0"/>
-                                          </p:stCondLst>
-                                        </p:cTn>
-                                        <p:tgtEl>
-                                          <p:spTgt spid="5"/>
-                                        </p:tgtEl>
-                                        <p:attrNameLst>
-                                          <p:attrName>style.visibility</p:attrName>
-                                        </p:attrNameLst>
-                                      </p:cBhvr>
-                                      <p:to>
-                                        <p:strVal val="visible"/>
-                                      </p:to>
-                                    </p:set>
-                                    <p:anim calcmode="lin" valueType="num">
-                                      <p:cBhvr additive="base">
-                                        <p:cTn id="25" dur="500" fill="hold"/>
-                                        <p:tgtEl>
-                                          <p:spTgt spid="5"/>
-                                        </p:tgtEl>
-                                        <p:attrNameLst>
-                                          <p:attrName>ppt_x</p:attrName>
-                                        </p:attrNameLst>
-                                      </p:cBhvr>
-                                      <p:tavLst>
-                                        <p:tav tm="0">
-                                          <p:val>
-                                            <p:strVal val="1+#ppt_w/2"/>
-                                          </p:val>
-                                        </p:tav>
-                                        <p:tav tm="100000">
-                                          <p:val>
-                                            <p:strVal val="#ppt_x"/>
-                                          </p:val>
-                                        </p:tav>
-                                      </p:tavLst>
-                                    </p:anim>
-                                    <p:anim calcmode="lin" valueType="num">
-                                      <p:cBhvr additive="base">
-                                        <p:cTn id="26" dur="500" fill="hold"/>
-                                        <p:tgtEl>
-                                          <p:spTgt spid="5"/>
-                                        </p:tgtEl>
-                                        <p:attrNameLst>
-                                          <p:attrName>ppt_y</p:attrName>
-                                        </p:attrNameLst>
-                                      </p:cBhvr>
-                                      <p:tavLst>
-                                        <p:tav tm="0">
-                                          <p:val>
-                                            <p:strVal val="0-#ppt_h/2"/>
-                                          </p:val>
-                                        </p:tav>
-                                        <p:tav tm="100000">
-                                          <p:val>
-                                            <p:strVal val="#ppt_y"/>
-                                          </p:val>
-                                        </p:tav>
-                                      </p:tavLst>
-                                    </p:anim>
-                                  </p:childTnLst>
-                                </p:cTn>
-                              </p:par>
                             </p:childTnLst>
                           </p:cTn>
                         </p:par>
@@ -9808,7 +9699,7 @@
             </p:seq>
             <p:audio>
               <p:cMediaNode vol="80000" showWhenStopped="0">
-                <p:cTn id="27" fill="hold" display="0">
+                <p:cTn id="23" fill="hold" display="0">
                   <p:stCondLst>
                     <p:cond delay="indefinite"/>
                   </p:stCondLst>
@@ -10157,10 +10048,10 @@
       </p:pic>
       <p:pic>
         <p:nvPicPr>
-          <p:cNvPr id="5" name="Picture 4" descr="A close up of a car&#10;&#10;Description generated with very high confidence">
-            <a:extLst>
-              <a:ext uri="{FF2B5EF4-FFF2-40B4-BE49-F238E27FC236}">
-                <a16:creationId xmlns:a16="http://schemas.microsoft.com/office/drawing/2014/main" id="{246DC722-859B-4927-8713-2B52291176BF}"/>
+          <p:cNvPr id="10" name="Picture 9">
+            <a:extLst>
+              <a:ext uri="{FF2B5EF4-FFF2-40B4-BE49-F238E27FC236}">
+                <a16:creationId xmlns:a16="http://schemas.microsoft.com/office/drawing/2014/main" id="{21B135F2-2A9A-4FB2-A6CE-781B5B3D7370}"/>
               </a:ext>
             </a:extLst>
           </p:cNvPr>
@@ -10170,43 +10061,7 @@
           <p:nvPr/>
         </p:nvPicPr>
         <p:blipFill>
-          <a:blip r:embed="rId6">
-            <a:extLst>
-              <a:ext uri="{28A0092B-C50C-407E-A947-70E740481C1C}">
-                <a14:useLocalDpi xmlns:a14="http://schemas.microsoft.com/office/drawing/2010/main" val="0"/>
-              </a:ext>
-            </a:extLst>
-          </a:blip>
-          <a:stretch>
-            <a:fillRect/>
-          </a:stretch>
-        </p:blipFill>
-        <p:spPr>
-          <a:xfrm>
-            <a:off x="4405661" y="2743200"/>
-            <a:ext cx="3027814" cy="1828800"/>
-          </a:xfrm>
-          <a:prstGeom prst="rect">
-            <a:avLst/>
-          </a:prstGeom>
-        </p:spPr>
-      </p:pic>
-      <p:pic>
-        <p:nvPicPr>
-          <p:cNvPr id="10" name="Picture 9">
-            <a:extLst>
-              <a:ext uri="{FF2B5EF4-FFF2-40B4-BE49-F238E27FC236}">
-                <a16:creationId xmlns:a16="http://schemas.microsoft.com/office/drawing/2014/main" id="{21B135F2-2A9A-4FB2-A6CE-781B5B3D7370}"/>
-              </a:ext>
-            </a:extLst>
-          </p:cNvPr>
-          <p:cNvPicPr>
-            <a:picLocks noChangeAspect="1"/>
-          </p:cNvPicPr>
-          <p:nvPr/>
-        </p:nvPicPr>
-        <p:blipFill>
-          <a:blip r:embed="rId7"/>
+          <a:blip r:embed="rId6"/>
           <a:stretch>
             <a:fillRect/>
           </a:stretch>
@@ -10450,13 +10305,13 @@
   <p:clrMapOvr>
     <a:masterClrMapping/>
   </p:clrMapOvr>
-  <mc:AlternateContent xmlns:mc="http://schemas.openxmlformats.org/markup-compatibility/2006">
-    <mc:Choice xmlns:p14="http://schemas.microsoft.com/office/powerpoint/2010/main" Requires="p14">
+  <mc:AlternateContent xmlns:mc="http://schemas.openxmlformats.org/markup-compatibility/2006" xmlns:p14="http://schemas.microsoft.com/office/powerpoint/2010/main">
+    <mc:Choice Requires="p14">
       <p:transition spd="med" p14:dur="700">
         <p:fade/>
       </p:transition>
     </mc:Choice>
-    <mc:Fallback>
+    <mc:Fallback xmlns="">
       <p:transition spd="med">
         <p:fade/>
       </p:transition>
@@ -10474,6 +10329,9 @@
                     <p:cTn id="3" fill="hold">
                       <p:stCondLst>
                         <p:cond delay="indefinite"/>
+                        <p:cond evt="onBegin" delay="0">
+                          <p:tn val="2"/>
+                        </p:cond>
                       </p:stCondLst>
                       <p:childTnLst>
                         <p:par>
@@ -10483,7 +10341,7 @@
                             </p:stCondLst>
                             <p:childTnLst>
                               <p:par>
-                                <p:cTn id="5" presetID="2" presetClass="exit" presetSubtype="4" fill="hold" nodeType="clickEffect">
+                                <p:cTn id="5" presetID="2" presetClass="exit" presetSubtype="4" fill="hold" nodeType="withEffect">
                                   <p:stCondLst>
                                     <p:cond delay="0"/>
                                   </p:stCondLst>
@@ -10701,33 +10559,15 @@
                                   </p:childTnLst>
                                 </p:cTn>
                               </p:par>
-                            </p:childTnLst>
-                          </p:cTn>
-                        </p:par>
-                      </p:childTnLst>
-                    </p:cTn>
-                  </p:par>
-                  <p:par>
-                    <p:cTn id="17" fill="hold">
-                      <p:stCondLst>
-                        <p:cond delay="indefinite"/>
-                      </p:stCondLst>
-                      <p:childTnLst>
-                        <p:par>
-                          <p:cTn id="18" fill="hold">
-                            <p:stCondLst>
-                              <p:cond delay="0"/>
-                            </p:stCondLst>
-                            <p:childTnLst>
                               <p:par>
-                                <p:cTn id="19" presetID="2" presetClass="entr" presetSubtype="4" fill="hold" grpId="0" nodeType="clickEffect">
+                                <p:cTn id="17" presetID="2" presetClass="entr" presetSubtype="4" fill="hold" grpId="0" nodeType="withEffect">
                                   <p:stCondLst>
-                                    <p:cond delay="500"/>
+                                    <p:cond delay="0"/>
                                   </p:stCondLst>
                                   <p:childTnLst>
                                     <p:set>
                                       <p:cBhvr>
-                                        <p:cTn id="20" dur="1" fill="hold">
+                                        <p:cTn id="18" dur="1" fill="hold">
                                           <p:stCondLst>
                                             <p:cond delay="0"/>
                                           </p:stCondLst>
@@ -10745,7 +10585,7 @@
                                     </p:set>
                                     <p:anim calcmode="lin" valueType="num">
                                       <p:cBhvr additive="base">
-                                        <p:cTn id="21" dur="500" fill="hold"/>
+                                        <p:cTn id="19" dur="500" fill="hold"/>
                                         <p:tgtEl>
                                           <p:spTgt spid="11"/>
                                         </p:tgtEl>
@@ -10768,7 +10608,7 @@
                                     </p:anim>
                                     <p:anim calcmode="lin" valueType="num">
                                       <p:cBhvr additive="base">
-                                        <p:cTn id="22" dur="500" fill="hold"/>
+                                        <p:cTn id="20" dur="500" fill="hold"/>
                                         <p:tgtEl>
                                           <p:spTgt spid="11"/>
                                         </p:tgtEl>
@@ -10793,14 +10633,14 @@
                                 </p:cTn>
                               </p:par>
                               <p:par>
-                                <p:cTn id="23" presetID="2" presetClass="entr" presetSubtype="4" fill="hold" nodeType="withEffect">
+                                <p:cTn id="21" presetID="2" presetClass="entr" presetSubtype="4" fill="hold" nodeType="withEffect">
                                   <p:stCondLst>
                                     <p:cond delay="0"/>
                                   </p:stCondLst>
                                   <p:childTnLst>
                                     <p:set>
                                       <p:cBhvr>
-                                        <p:cTn id="24" dur="1" fill="hold">
+                                        <p:cTn id="22" dur="1" fill="hold">
                                           <p:stCondLst>
                                             <p:cond delay="0"/>
                                           </p:stCondLst>
@@ -10818,7 +10658,7 @@
                                     </p:set>
                                     <p:anim calcmode="lin" valueType="num">
                                       <p:cBhvr additive="base">
-                                        <p:cTn id="25" dur="500" fill="hold"/>
+                                        <p:cTn id="23" dur="500" fill="hold"/>
                                         <p:tgtEl>
                                           <p:spTgt spid="10"/>
                                         </p:tgtEl>
@@ -10841,7 +10681,7 @@
                                     </p:anim>
                                     <p:anim calcmode="lin" valueType="num">
                                       <p:cBhvr additive="base">
-                                        <p:cTn id="26" dur="500" fill="hold"/>
+                                        <p:cTn id="24" dur="500" fill="hold"/>
                                         <p:tgtEl>
                                           <p:spTgt spid="10"/>
                                         </p:tgtEl>
